--- a/ppt 16-9/0261.基督复活哈利路.pptx
+++ b/ppt 16-9/0261.基督复活哈利路.pptx
@@ -129,7 +129,7 @@
           <p:cNvPr id="2" name="标题 1">
             <a:extLst>
               <a:ext uri="{FF2B5EF4-FFF2-40B4-BE49-F238E27FC236}">
-                <a16:creationId xmlns:a16="http://schemas.microsoft.com/office/drawing/2014/main" id="{38ADAF6B-1C07-DA01-39F6-9B76F6959C8F}"/>
+                <a16:creationId xmlns:a16="http://schemas.microsoft.com/office/drawing/2014/main" id="{0596FDB8-46F6-10EF-899E-7B7509501780}"/>
               </a:ext>
             </a:extLst>
           </p:cNvPr>
@@ -166,7 +166,7 @@
           <p:cNvPr id="3" name="副标题 2">
             <a:extLst>
               <a:ext uri="{FF2B5EF4-FFF2-40B4-BE49-F238E27FC236}">
-                <a16:creationId xmlns:a16="http://schemas.microsoft.com/office/drawing/2014/main" id="{1FF53522-3FD0-ED7F-D742-94FB79498FA5}"/>
+                <a16:creationId xmlns:a16="http://schemas.microsoft.com/office/drawing/2014/main" id="{A7BC33B6-E95E-0BEE-7A0D-EB3705FD6454}"/>
               </a:ext>
             </a:extLst>
           </p:cNvPr>
@@ -236,7 +236,7 @@
           <p:cNvPr id="4" name="日期占位符 3">
             <a:extLst>
               <a:ext uri="{FF2B5EF4-FFF2-40B4-BE49-F238E27FC236}">
-                <a16:creationId xmlns:a16="http://schemas.microsoft.com/office/drawing/2014/main" id="{E1CD025A-A9BE-3FC7-681D-943FADD15B2C}"/>
+                <a16:creationId xmlns:a16="http://schemas.microsoft.com/office/drawing/2014/main" id="{DB6F2DC9-535C-593F-0E54-E8736CC1ED82}"/>
               </a:ext>
             </a:extLst>
           </p:cNvPr>
@@ -252,7 +252,7 @@
           <a:bodyPr/>
           <a:lstStyle/>
           <a:p>
-            <a:fld id="{DE2D0EA8-9AB7-4BA5-B70E-617ED18B5F67}" type="datetimeFigureOut">
+            <a:fld id="{8614E6A1-FA71-4876-9E97-0D6BA2008EA8}" type="datetimeFigureOut">
               <a:rPr lang="zh-CN" altLang="en-US" smtClean="0"/>
               <a:t>2024/3/10</a:t>
             </a:fld>
@@ -265,7 +265,7 @@
           <p:cNvPr id="5" name="页脚占位符 4">
             <a:extLst>
               <a:ext uri="{FF2B5EF4-FFF2-40B4-BE49-F238E27FC236}">
-                <a16:creationId xmlns:a16="http://schemas.microsoft.com/office/drawing/2014/main" id="{9A7A6C9F-1D7C-98B8-443C-3B8557739AE3}"/>
+                <a16:creationId xmlns:a16="http://schemas.microsoft.com/office/drawing/2014/main" id="{5F17F5C5-59E1-40E5-D92F-A84B5EB5CDFC}"/>
               </a:ext>
             </a:extLst>
           </p:cNvPr>
@@ -290,7 +290,7 @@
           <p:cNvPr id="6" name="灯片编号占位符 5">
             <a:extLst>
               <a:ext uri="{FF2B5EF4-FFF2-40B4-BE49-F238E27FC236}">
-                <a16:creationId xmlns:a16="http://schemas.microsoft.com/office/drawing/2014/main" id="{DEA39487-D4FD-4B95-70C4-2A9FDD2B9E4B}"/>
+                <a16:creationId xmlns:a16="http://schemas.microsoft.com/office/drawing/2014/main" id="{B08F6E25-2E4E-C7AF-8A6D-5844954306BF}"/>
               </a:ext>
             </a:extLst>
           </p:cNvPr>
@@ -306,7 +306,7 @@
           <a:bodyPr/>
           <a:lstStyle/>
           <a:p>
-            <a:fld id="{FD7BDA2A-E9A2-40F9-9B4B-E5141F6ADF0C}" type="slidenum">
+            <a:fld id="{242C6499-26AF-4373-B07A-AAF012A75DDC}" type="slidenum">
               <a:rPr lang="zh-CN" altLang="en-US" smtClean="0"/>
               <a:t>‹#›</a:t>
             </a:fld>
@@ -317,7 +317,7 @@
     </p:spTree>
     <p:extLst>
       <p:ext uri="{BB962C8B-B14F-4D97-AF65-F5344CB8AC3E}">
-        <p14:creationId xmlns:p14="http://schemas.microsoft.com/office/powerpoint/2010/main" val="882013527"/>
+        <p14:creationId xmlns:p14="http://schemas.microsoft.com/office/powerpoint/2010/main" val="4025113226"/>
       </p:ext>
     </p:extLst>
   </p:cSld>
@@ -349,7 +349,7 @@
           <p:cNvPr id="2" name="标题 1">
             <a:extLst>
               <a:ext uri="{FF2B5EF4-FFF2-40B4-BE49-F238E27FC236}">
-                <a16:creationId xmlns:a16="http://schemas.microsoft.com/office/drawing/2014/main" id="{1FC4D28D-3D23-2D17-FAB8-BBA2C9F7A17E}"/>
+                <a16:creationId xmlns:a16="http://schemas.microsoft.com/office/drawing/2014/main" id="{126FBB41-714F-4D8F-E46D-FD1BE4F54134}"/>
               </a:ext>
             </a:extLst>
           </p:cNvPr>
@@ -377,7 +377,7 @@
           <p:cNvPr id="3" name="竖排文字占位符 2">
             <a:extLst>
               <a:ext uri="{FF2B5EF4-FFF2-40B4-BE49-F238E27FC236}">
-                <a16:creationId xmlns:a16="http://schemas.microsoft.com/office/drawing/2014/main" id="{7BB4FF22-883C-1E12-DEC9-91199A00E2C4}"/>
+                <a16:creationId xmlns:a16="http://schemas.microsoft.com/office/drawing/2014/main" id="{3C831905-5097-C049-0F52-849CEC0C2A9E}"/>
               </a:ext>
             </a:extLst>
           </p:cNvPr>
@@ -434,7 +434,7 @@
           <p:cNvPr id="4" name="日期占位符 3">
             <a:extLst>
               <a:ext uri="{FF2B5EF4-FFF2-40B4-BE49-F238E27FC236}">
-                <a16:creationId xmlns:a16="http://schemas.microsoft.com/office/drawing/2014/main" id="{8FFEA9EB-06BF-EDA6-3580-A327B473D50B}"/>
+                <a16:creationId xmlns:a16="http://schemas.microsoft.com/office/drawing/2014/main" id="{8390B8F2-9A3B-50EE-660E-6B375B789A0A}"/>
               </a:ext>
             </a:extLst>
           </p:cNvPr>
@@ -450,7 +450,7 @@
           <a:bodyPr/>
           <a:lstStyle/>
           <a:p>
-            <a:fld id="{DE2D0EA8-9AB7-4BA5-B70E-617ED18B5F67}" type="datetimeFigureOut">
+            <a:fld id="{8614E6A1-FA71-4876-9E97-0D6BA2008EA8}" type="datetimeFigureOut">
               <a:rPr lang="zh-CN" altLang="en-US" smtClean="0"/>
               <a:t>2024/3/10</a:t>
             </a:fld>
@@ -463,7 +463,7 @@
           <p:cNvPr id="5" name="页脚占位符 4">
             <a:extLst>
               <a:ext uri="{FF2B5EF4-FFF2-40B4-BE49-F238E27FC236}">
-                <a16:creationId xmlns:a16="http://schemas.microsoft.com/office/drawing/2014/main" id="{2584479B-3148-D635-E15F-FC7750845A60}"/>
+                <a16:creationId xmlns:a16="http://schemas.microsoft.com/office/drawing/2014/main" id="{3DCBA513-0859-2B54-2822-A4B8C8CC31AC}"/>
               </a:ext>
             </a:extLst>
           </p:cNvPr>
@@ -488,7 +488,7 @@
           <p:cNvPr id="6" name="灯片编号占位符 5">
             <a:extLst>
               <a:ext uri="{FF2B5EF4-FFF2-40B4-BE49-F238E27FC236}">
-                <a16:creationId xmlns:a16="http://schemas.microsoft.com/office/drawing/2014/main" id="{EC54EC4A-116A-4BBD-8391-F58408476FAF}"/>
+                <a16:creationId xmlns:a16="http://schemas.microsoft.com/office/drawing/2014/main" id="{BCBE5A65-E421-80C1-8E32-D23BEACFCAFA}"/>
               </a:ext>
             </a:extLst>
           </p:cNvPr>
@@ -504,7 +504,7 @@
           <a:bodyPr/>
           <a:lstStyle/>
           <a:p>
-            <a:fld id="{FD7BDA2A-E9A2-40F9-9B4B-E5141F6ADF0C}" type="slidenum">
+            <a:fld id="{242C6499-26AF-4373-B07A-AAF012A75DDC}" type="slidenum">
               <a:rPr lang="zh-CN" altLang="en-US" smtClean="0"/>
               <a:t>‹#›</a:t>
             </a:fld>
@@ -515,7 +515,7 @@
     </p:spTree>
     <p:extLst>
       <p:ext uri="{BB962C8B-B14F-4D97-AF65-F5344CB8AC3E}">
-        <p14:creationId xmlns:p14="http://schemas.microsoft.com/office/powerpoint/2010/main" val="3724701365"/>
+        <p14:creationId xmlns:p14="http://schemas.microsoft.com/office/powerpoint/2010/main" val="4238415511"/>
       </p:ext>
     </p:extLst>
   </p:cSld>
@@ -547,7 +547,7 @@
           <p:cNvPr id="2" name="竖排标题 1">
             <a:extLst>
               <a:ext uri="{FF2B5EF4-FFF2-40B4-BE49-F238E27FC236}">
-                <a16:creationId xmlns:a16="http://schemas.microsoft.com/office/drawing/2014/main" id="{36E04E1A-6A3D-AC5E-E031-2E602BFF73BC}"/>
+                <a16:creationId xmlns:a16="http://schemas.microsoft.com/office/drawing/2014/main" id="{B108512B-9FFB-12E1-1B21-3EBC1EF9D134}"/>
               </a:ext>
             </a:extLst>
           </p:cNvPr>
@@ -580,7 +580,7 @@
           <p:cNvPr id="3" name="竖排文字占位符 2">
             <a:extLst>
               <a:ext uri="{FF2B5EF4-FFF2-40B4-BE49-F238E27FC236}">
-                <a16:creationId xmlns:a16="http://schemas.microsoft.com/office/drawing/2014/main" id="{6E11B2ED-A896-1F1A-BD55-088879551016}"/>
+                <a16:creationId xmlns:a16="http://schemas.microsoft.com/office/drawing/2014/main" id="{C817557A-C65E-C4CC-4545-D822D269B93B}"/>
               </a:ext>
             </a:extLst>
           </p:cNvPr>
@@ -642,7 +642,7 @@
           <p:cNvPr id="4" name="日期占位符 3">
             <a:extLst>
               <a:ext uri="{FF2B5EF4-FFF2-40B4-BE49-F238E27FC236}">
-                <a16:creationId xmlns:a16="http://schemas.microsoft.com/office/drawing/2014/main" id="{1F5557A0-E96B-E371-45EA-202E334F6851}"/>
+                <a16:creationId xmlns:a16="http://schemas.microsoft.com/office/drawing/2014/main" id="{726EB4D7-6801-8892-DBFE-243BE0D17D33}"/>
               </a:ext>
             </a:extLst>
           </p:cNvPr>
@@ -658,7 +658,7 @@
           <a:bodyPr/>
           <a:lstStyle/>
           <a:p>
-            <a:fld id="{DE2D0EA8-9AB7-4BA5-B70E-617ED18B5F67}" type="datetimeFigureOut">
+            <a:fld id="{8614E6A1-FA71-4876-9E97-0D6BA2008EA8}" type="datetimeFigureOut">
               <a:rPr lang="zh-CN" altLang="en-US" smtClean="0"/>
               <a:t>2024/3/10</a:t>
             </a:fld>
@@ -671,7 +671,7 @@
           <p:cNvPr id="5" name="页脚占位符 4">
             <a:extLst>
               <a:ext uri="{FF2B5EF4-FFF2-40B4-BE49-F238E27FC236}">
-                <a16:creationId xmlns:a16="http://schemas.microsoft.com/office/drawing/2014/main" id="{A70D0367-8A39-CFA5-DDE6-D768754F53E0}"/>
+                <a16:creationId xmlns:a16="http://schemas.microsoft.com/office/drawing/2014/main" id="{5D4FAB19-8578-A73B-28A0-1B457D5298A7}"/>
               </a:ext>
             </a:extLst>
           </p:cNvPr>
@@ -696,7 +696,7 @@
           <p:cNvPr id="6" name="灯片编号占位符 5">
             <a:extLst>
               <a:ext uri="{FF2B5EF4-FFF2-40B4-BE49-F238E27FC236}">
-                <a16:creationId xmlns:a16="http://schemas.microsoft.com/office/drawing/2014/main" id="{7671D0C1-6F86-23E5-3861-292E3913AA98}"/>
+                <a16:creationId xmlns:a16="http://schemas.microsoft.com/office/drawing/2014/main" id="{CC972C1D-2297-8BB3-8791-E7081041AECB}"/>
               </a:ext>
             </a:extLst>
           </p:cNvPr>
@@ -712,7 +712,7 @@
           <a:bodyPr/>
           <a:lstStyle/>
           <a:p>
-            <a:fld id="{FD7BDA2A-E9A2-40F9-9B4B-E5141F6ADF0C}" type="slidenum">
+            <a:fld id="{242C6499-26AF-4373-B07A-AAF012A75DDC}" type="slidenum">
               <a:rPr lang="zh-CN" altLang="en-US" smtClean="0"/>
               <a:t>‹#›</a:t>
             </a:fld>
@@ -723,7 +723,7 @@
     </p:spTree>
     <p:extLst>
       <p:ext uri="{BB962C8B-B14F-4D97-AF65-F5344CB8AC3E}">
-        <p14:creationId xmlns:p14="http://schemas.microsoft.com/office/powerpoint/2010/main" val="128476012"/>
+        <p14:creationId xmlns:p14="http://schemas.microsoft.com/office/powerpoint/2010/main" val="1491466798"/>
       </p:ext>
     </p:extLst>
   </p:cSld>
@@ -755,7 +755,7 @@
           <p:cNvPr id="2" name="标题 1">
             <a:extLst>
               <a:ext uri="{FF2B5EF4-FFF2-40B4-BE49-F238E27FC236}">
-                <a16:creationId xmlns:a16="http://schemas.microsoft.com/office/drawing/2014/main" id="{3859F785-0C53-F2A2-C82D-8A5E4FD18A0F}"/>
+                <a16:creationId xmlns:a16="http://schemas.microsoft.com/office/drawing/2014/main" id="{1B05C32B-E8BA-55B3-053C-68F5283A6DB8}"/>
               </a:ext>
             </a:extLst>
           </p:cNvPr>
@@ -783,7 +783,7 @@
           <p:cNvPr id="3" name="内容占位符 2">
             <a:extLst>
               <a:ext uri="{FF2B5EF4-FFF2-40B4-BE49-F238E27FC236}">
-                <a16:creationId xmlns:a16="http://schemas.microsoft.com/office/drawing/2014/main" id="{6549137E-39F9-5714-2EB9-EC240F1E5AA7}"/>
+                <a16:creationId xmlns:a16="http://schemas.microsoft.com/office/drawing/2014/main" id="{5D344EFD-5419-38C4-2047-1B885D00EC13}"/>
               </a:ext>
             </a:extLst>
           </p:cNvPr>
@@ -840,7 +840,7 @@
           <p:cNvPr id="4" name="日期占位符 3">
             <a:extLst>
               <a:ext uri="{FF2B5EF4-FFF2-40B4-BE49-F238E27FC236}">
-                <a16:creationId xmlns:a16="http://schemas.microsoft.com/office/drawing/2014/main" id="{C00A98BD-4E1C-85B5-54F0-DF638A434AC8}"/>
+                <a16:creationId xmlns:a16="http://schemas.microsoft.com/office/drawing/2014/main" id="{F8095270-33A4-A8A6-5836-6F3242471FAF}"/>
               </a:ext>
             </a:extLst>
           </p:cNvPr>
@@ -856,7 +856,7 @@
           <a:bodyPr/>
           <a:lstStyle/>
           <a:p>
-            <a:fld id="{DE2D0EA8-9AB7-4BA5-B70E-617ED18B5F67}" type="datetimeFigureOut">
+            <a:fld id="{8614E6A1-FA71-4876-9E97-0D6BA2008EA8}" type="datetimeFigureOut">
               <a:rPr lang="zh-CN" altLang="en-US" smtClean="0"/>
               <a:t>2024/3/10</a:t>
             </a:fld>
@@ -869,7 +869,7 @@
           <p:cNvPr id="5" name="页脚占位符 4">
             <a:extLst>
               <a:ext uri="{FF2B5EF4-FFF2-40B4-BE49-F238E27FC236}">
-                <a16:creationId xmlns:a16="http://schemas.microsoft.com/office/drawing/2014/main" id="{A08A814F-7C82-5367-0CA3-A732BB3C8115}"/>
+                <a16:creationId xmlns:a16="http://schemas.microsoft.com/office/drawing/2014/main" id="{23DDE874-0437-610F-79B9-1403E334484F}"/>
               </a:ext>
             </a:extLst>
           </p:cNvPr>
@@ -894,7 +894,7 @@
           <p:cNvPr id="6" name="灯片编号占位符 5">
             <a:extLst>
               <a:ext uri="{FF2B5EF4-FFF2-40B4-BE49-F238E27FC236}">
-                <a16:creationId xmlns:a16="http://schemas.microsoft.com/office/drawing/2014/main" id="{AD3D3F07-EDC7-C1C0-D70D-1B014B6194B6}"/>
+                <a16:creationId xmlns:a16="http://schemas.microsoft.com/office/drawing/2014/main" id="{C2255536-A7F6-F7EB-FA2A-B37F9C874869}"/>
               </a:ext>
             </a:extLst>
           </p:cNvPr>
@@ -910,7 +910,7 @@
           <a:bodyPr/>
           <a:lstStyle/>
           <a:p>
-            <a:fld id="{FD7BDA2A-E9A2-40F9-9B4B-E5141F6ADF0C}" type="slidenum">
+            <a:fld id="{242C6499-26AF-4373-B07A-AAF012A75DDC}" type="slidenum">
               <a:rPr lang="zh-CN" altLang="en-US" smtClean="0"/>
               <a:t>‹#›</a:t>
             </a:fld>
@@ -921,7 +921,7 @@
     </p:spTree>
     <p:extLst>
       <p:ext uri="{BB962C8B-B14F-4D97-AF65-F5344CB8AC3E}">
-        <p14:creationId xmlns:p14="http://schemas.microsoft.com/office/powerpoint/2010/main" val="595171109"/>
+        <p14:creationId xmlns:p14="http://schemas.microsoft.com/office/powerpoint/2010/main" val="356939175"/>
       </p:ext>
     </p:extLst>
   </p:cSld>
@@ -953,7 +953,7 @@
           <p:cNvPr id="2" name="标题 1">
             <a:extLst>
               <a:ext uri="{FF2B5EF4-FFF2-40B4-BE49-F238E27FC236}">
-                <a16:creationId xmlns:a16="http://schemas.microsoft.com/office/drawing/2014/main" id="{59C83266-D1A5-2F1D-BF68-A5356EC00A7A}"/>
+                <a16:creationId xmlns:a16="http://schemas.microsoft.com/office/drawing/2014/main" id="{BC397691-EB6B-A8B7-929E-BFE281DF3605}"/>
               </a:ext>
             </a:extLst>
           </p:cNvPr>
@@ -990,7 +990,7 @@
           <p:cNvPr id="3" name="文本占位符 2">
             <a:extLst>
               <a:ext uri="{FF2B5EF4-FFF2-40B4-BE49-F238E27FC236}">
-                <a16:creationId xmlns:a16="http://schemas.microsoft.com/office/drawing/2014/main" id="{40D2B091-D2E6-D0B1-92E2-E531DB09D6C2}"/>
+                <a16:creationId xmlns:a16="http://schemas.microsoft.com/office/drawing/2014/main" id="{FA21C6BC-7D27-6F30-EAAD-0CAA24615055}"/>
               </a:ext>
             </a:extLst>
           </p:cNvPr>
@@ -1115,7 +1115,7 @@
           <p:cNvPr id="4" name="日期占位符 3">
             <a:extLst>
               <a:ext uri="{FF2B5EF4-FFF2-40B4-BE49-F238E27FC236}">
-                <a16:creationId xmlns:a16="http://schemas.microsoft.com/office/drawing/2014/main" id="{50A12B6A-82B7-CE60-2A58-DDF8B2C539B6}"/>
+                <a16:creationId xmlns:a16="http://schemas.microsoft.com/office/drawing/2014/main" id="{4A82D662-BBB6-EA19-328F-8BD96ADD17A7}"/>
               </a:ext>
             </a:extLst>
           </p:cNvPr>
@@ -1131,7 +1131,7 @@
           <a:bodyPr/>
           <a:lstStyle/>
           <a:p>
-            <a:fld id="{DE2D0EA8-9AB7-4BA5-B70E-617ED18B5F67}" type="datetimeFigureOut">
+            <a:fld id="{8614E6A1-FA71-4876-9E97-0D6BA2008EA8}" type="datetimeFigureOut">
               <a:rPr lang="zh-CN" altLang="en-US" smtClean="0"/>
               <a:t>2024/3/10</a:t>
             </a:fld>
@@ -1144,7 +1144,7 @@
           <p:cNvPr id="5" name="页脚占位符 4">
             <a:extLst>
               <a:ext uri="{FF2B5EF4-FFF2-40B4-BE49-F238E27FC236}">
-                <a16:creationId xmlns:a16="http://schemas.microsoft.com/office/drawing/2014/main" id="{FC2DC16D-F9F2-7E64-FC2D-9C6456DE6404}"/>
+                <a16:creationId xmlns:a16="http://schemas.microsoft.com/office/drawing/2014/main" id="{E942335E-BEA7-22A5-65F6-AE1842D03586}"/>
               </a:ext>
             </a:extLst>
           </p:cNvPr>
@@ -1169,7 +1169,7 @@
           <p:cNvPr id="6" name="灯片编号占位符 5">
             <a:extLst>
               <a:ext uri="{FF2B5EF4-FFF2-40B4-BE49-F238E27FC236}">
-                <a16:creationId xmlns:a16="http://schemas.microsoft.com/office/drawing/2014/main" id="{AD8E7402-5642-11D4-BC6C-B57767F4E5D9}"/>
+                <a16:creationId xmlns:a16="http://schemas.microsoft.com/office/drawing/2014/main" id="{05751578-F0F5-27E6-6532-792FF155863B}"/>
               </a:ext>
             </a:extLst>
           </p:cNvPr>
@@ -1185,7 +1185,7 @@
           <a:bodyPr/>
           <a:lstStyle/>
           <a:p>
-            <a:fld id="{FD7BDA2A-E9A2-40F9-9B4B-E5141F6ADF0C}" type="slidenum">
+            <a:fld id="{242C6499-26AF-4373-B07A-AAF012A75DDC}" type="slidenum">
               <a:rPr lang="zh-CN" altLang="en-US" smtClean="0"/>
               <a:t>‹#›</a:t>
             </a:fld>
@@ -1196,7 +1196,7 @@
     </p:spTree>
     <p:extLst>
       <p:ext uri="{BB962C8B-B14F-4D97-AF65-F5344CB8AC3E}">
-        <p14:creationId xmlns:p14="http://schemas.microsoft.com/office/powerpoint/2010/main" val="2037995547"/>
+        <p14:creationId xmlns:p14="http://schemas.microsoft.com/office/powerpoint/2010/main" val="744897574"/>
       </p:ext>
     </p:extLst>
   </p:cSld>
@@ -1228,7 +1228,7 @@
           <p:cNvPr id="2" name="标题 1">
             <a:extLst>
               <a:ext uri="{FF2B5EF4-FFF2-40B4-BE49-F238E27FC236}">
-                <a16:creationId xmlns:a16="http://schemas.microsoft.com/office/drawing/2014/main" id="{287ABE0C-542A-E755-86E0-91DB9EB5F47F}"/>
+                <a16:creationId xmlns:a16="http://schemas.microsoft.com/office/drawing/2014/main" id="{8A8A341B-6B76-654D-832D-9F73038A639E}"/>
               </a:ext>
             </a:extLst>
           </p:cNvPr>
@@ -1256,7 +1256,7 @@
           <p:cNvPr id="3" name="内容占位符 2">
             <a:extLst>
               <a:ext uri="{FF2B5EF4-FFF2-40B4-BE49-F238E27FC236}">
-                <a16:creationId xmlns:a16="http://schemas.microsoft.com/office/drawing/2014/main" id="{B8684FF5-9289-9BDC-CCA1-3DA8A3186386}"/>
+                <a16:creationId xmlns:a16="http://schemas.microsoft.com/office/drawing/2014/main" id="{AF9BD38D-B2FB-64C4-3751-9D85FE45E217}"/>
               </a:ext>
             </a:extLst>
           </p:cNvPr>
@@ -1318,7 +1318,7 @@
           <p:cNvPr id="4" name="内容占位符 3">
             <a:extLst>
               <a:ext uri="{FF2B5EF4-FFF2-40B4-BE49-F238E27FC236}">
-                <a16:creationId xmlns:a16="http://schemas.microsoft.com/office/drawing/2014/main" id="{EB79E0EA-FAB6-88E4-7CE6-C54B566553B0}"/>
+                <a16:creationId xmlns:a16="http://schemas.microsoft.com/office/drawing/2014/main" id="{55ED366D-E76C-08F9-4F82-CF91E3D199E2}"/>
               </a:ext>
             </a:extLst>
           </p:cNvPr>
@@ -1380,7 +1380,7 @@
           <p:cNvPr id="5" name="日期占位符 4">
             <a:extLst>
               <a:ext uri="{FF2B5EF4-FFF2-40B4-BE49-F238E27FC236}">
-                <a16:creationId xmlns:a16="http://schemas.microsoft.com/office/drawing/2014/main" id="{C0FD5D1B-7A85-3E3D-AE20-8AF215146102}"/>
+                <a16:creationId xmlns:a16="http://schemas.microsoft.com/office/drawing/2014/main" id="{9A58A52C-0C98-F9F7-CD1C-98F7A003C51E}"/>
               </a:ext>
             </a:extLst>
           </p:cNvPr>
@@ -1396,7 +1396,7 @@
           <a:bodyPr/>
           <a:lstStyle/>
           <a:p>
-            <a:fld id="{DE2D0EA8-9AB7-4BA5-B70E-617ED18B5F67}" type="datetimeFigureOut">
+            <a:fld id="{8614E6A1-FA71-4876-9E97-0D6BA2008EA8}" type="datetimeFigureOut">
               <a:rPr lang="zh-CN" altLang="en-US" smtClean="0"/>
               <a:t>2024/3/10</a:t>
             </a:fld>
@@ -1409,7 +1409,7 @@
           <p:cNvPr id="6" name="页脚占位符 5">
             <a:extLst>
               <a:ext uri="{FF2B5EF4-FFF2-40B4-BE49-F238E27FC236}">
-                <a16:creationId xmlns:a16="http://schemas.microsoft.com/office/drawing/2014/main" id="{700D09E4-B54B-4EC0-4601-99E56783F6F3}"/>
+                <a16:creationId xmlns:a16="http://schemas.microsoft.com/office/drawing/2014/main" id="{41933FCD-A8D7-577C-DA4D-46A3E665F582}"/>
               </a:ext>
             </a:extLst>
           </p:cNvPr>
@@ -1434,7 +1434,7 @@
           <p:cNvPr id="7" name="灯片编号占位符 6">
             <a:extLst>
               <a:ext uri="{FF2B5EF4-FFF2-40B4-BE49-F238E27FC236}">
-                <a16:creationId xmlns:a16="http://schemas.microsoft.com/office/drawing/2014/main" id="{8AB2E0A6-1B8D-58F4-4762-227B931446A8}"/>
+                <a16:creationId xmlns:a16="http://schemas.microsoft.com/office/drawing/2014/main" id="{2A427E89-932C-5454-E889-FB8C56884BAF}"/>
               </a:ext>
             </a:extLst>
           </p:cNvPr>
@@ -1450,7 +1450,7 @@
           <a:bodyPr/>
           <a:lstStyle/>
           <a:p>
-            <a:fld id="{FD7BDA2A-E9A2-40F9-9B4B-E5141F6ADF0C}" type="slidenum">
+            <a:fld id="{242C6499-26AF-4373-B07A-AAF012A75DDC}" type="slidenum">
               <a:rPr lang="zh-CN" altLang="en-US" smtClean="0"/>
               <a:t>‹#›</a:t>
             </a:fld>
@@ -1461,7 +1461,7 @@
     </p:spTree>
     <p:extLst>
       <p:ext uri="{BB962C8B-B14F-4D97-AF65-F5344CB8AC3E}">
-        <p14:creationId xmlns:p14="http://schemas.microsoft.com/office/powerpoint/2010/main" val="546875718"/>
+        <p14:creationId xmlns:p14="http://schemas.microsoft.com/office/powerpoint/2010/main" val="49799991"/>
       </p:ext>
     </p:extLst>
   </p:cSld>
@@ -1493,7 +1493,7 @@
           <p:cNvPr id="2" name="标题 1">
             <a:extLst>
               <a:ext uri="{FF2B5EF4-FFF2-40B4-BE49-F238E27FC236}">
-                <a16:creationId xmlns:a16="http://schemas.microsoft.com/office/drawing/2014/main" id="{81FC70AF-B3A0-AC73-5EF8-F845D06EA6B9}"/>
+                <a16:creationId xmlns:a16="http://schemas.microsoft.com/office/drawing/2014/main" id="{9D4D215A-EC72-EA53-E9EA-05A446E4EEBC}"/>
               </a:ext>
             </a:extLst>
           </p:cNvPr>
@@ -1526,7 +1526,7 @@
           <p:cNvPr id="3" name="文本占位符 2">
             <a:extLst>
               <a:ext uri="{FF2B5EF4-FFF2-40B4-BE49-F238E27FC236}">
-                <a16:creationId xmlns:a16="http://schemas.microsoft.com/office/drawing/2014/main" id="{9CC19271-60A1-7B7E-88E7-4BF573BEF993}"/>
+                <a16:creationId xmlns:a16="http://schemas.microsoft.com/office/drawing/2014/main" id="{2C3E8815-1A50-F838-789C-D79592C9EB53}"/>
               </a:ext>
             </a:extLst>
           </p:cNvPr>
@@ -1597,7 +1597,7 @@
           <p:cNvPr id="4" name="内容占位符 3">
             <a:extLst>
               <a:ext uri="{FF2B5EF4-FFF2-40B4-BE49-F238E27FC236}">
-                <a16:creationId xmlns:a16="http://schemas.microsoft.com/office/drawing/2014/main" id="{54323DD5-F1DE-58F7-980D-C191AC283E90}"/>
+                <a16:creationId xmlns:a16="http://schemas.microsoft.com/office/drawing/2014/main" id="{011FB904-4BFB-2496-F85A-2BD23890EED3}"/>
               </a:ext>
             </a:extLst>
           </p:cNvPr>
@@ -1659,7 +1659,7 @@
           <p:cNvPr id="5" name="文本占位符 4">
             <a:extLst>
               <a:ext uri="{FF2B5EF4-FFF2-40B4-BE49-F238E27FC236}">
-                <a16:creationId xmlns:a16="http://schemas.microsoft.com/office/drawing/2014/main" id="{59265856-59CD-D895-7805-AC0989900849}"/>
+                <a16:creationId xmlns:a16="http://schemas.microsoft.com/office/drawing/2014/main" id="{7EED8085-40F2-9720-380C-9482450728D6}"/>
               </a:ext>
             </a:extLst>
           </p:cNvPr>
@@ -1730,7 +1730,7 @@
           <p:cNvPr id="6" name="内容占位符 5">
             <a:extLst>
               <a:ext uri="{FF2B5EF4-FFF2-40B4-BE49-F238E27FC236}">
-                <a16:creationId xmlns:a16="http://schemas.microsoft.com/office/drawing/2014/main" id="{F808E257-8DCD-4B66-7AF7-C38332FF3648}"/>
+                <a16:creationId xmlns:a16="http://schemas.microsoft.com/office/drawing/2014/main" id="{A81B1E66-CDE2-3736-A08B-DCE1DD8AA7A5}"/>
               </a:ext>
             </a:extLst>
           </p:cNvPr>
@@ -1792,7 +1792,7 @@
           <p:cNvPr id="7" name="日期占位符 6">
             <a:extLst>
               <a:ext uri="{FF2B5EF4-FFF2-40B4-BE49-F238E27FC236}">
-                <a16:creationId xmlns:a16="http://schemas.microsoft.com/office/drawing/2014/main" id="{727F9780-F1E4-E896-B5A2-A26E70D47542}"/>
+                <a16:creationId xmlns:a16="http://schemas.microsoft.com/office/drawing/2014/main" id="{B14C7A73-4439-C1E4-7680-8B8AB9D6A2F3}"/>
               </a:ext>
             </a:extLst>
           </p:cNvPr>
@@ -1808,7 +1808,7 @@
           <a:bodyPr/>
           <a:lstStyle/>
           <a:p>
-            <a:fld id="{DE2D0EA8-9AB7-4BA5-B70E-617ED18B5F67}" type="datetimeFigureOut">
+            <a:fld id="{8614E6A1-FA71-4876-9E97-0D6BA2008EA8}" type="datetimeFigureOut">
               <a:rPr lang="zh-CN" altLang="en-US" smtClean="0"/>
               <a:t>2024/3/10</a:t>
             </a:fld>
@@ -1821,7 +1821,7 @@
           <p:cNvPr id="8" name="页脚占位符 7">
             <a:extLst>
               <a:ext uri="{FF2B5EF4-FFF2-40B4-BE49-F238E27FC236}">
-                <a16:creationId xmlns:a16="http://schemas.microsoft.com/office/drawing/2014/main" id="{32CB8329-D8B8-1CDB-70F0-B5EF31214EFA}"/>
+                <a16:creationId xmlns:a16="http://schemas.microsoft.com/office/drawing/2014/main" id="{C7DFAB05-AF55-7015-E0C4-EED05AAFBE4C}"/>
               </a:ext>
             </a:extLst>
           </p:cNvPr>
@@ -1846,7 +1846,7 @@
           <p:cNvPr id="9" name="灯片编号占位符 8">
             <a:extLst>
               <a:ext uri="{FF2B5EF4-FFF2-40B4-BE49-F238E27FC236}">
-                <a16:creationId xmlns:a16="http://schemas.microsoft.com/office/drawing/2014/main" id="{9F596698-E1C5-F430-F09F-0983763279B2}"/>
+                <a16:creationId xmlns:a16="http://schemas.microsoft.com/office/drawing/2014/main" id="{06C73490-340C-4868-4B8C-2365F317264A}"/>
               </a:ext>
             </a:extLst>
           </p:cNvPr>
@@ -1862,7 +1862,7 @@
           <a:bodyPr/>
           <a:lstStyle/>
           <a:p>
-            <a:fld id="{FD7BDA2A-E9A2-40F9-9B4B-E5141F6ADF0C}" type="slidenum">
+            <a:fld id="{242C6499-26AF-4373-B07A-AAF012A75DDC}" type="slidenum">
               <a:rPr lang="zh-CN" altLang="en-US" smtClean="0"/>
               <a:t>‹#›</a:t>
             </a:fld>
@@ -1873,7 +1873,7 @@
     </p:spTree>
     <p:extLst>
       <p:ext uri="{BB962C8B-B14F-4D97-AF65-F5344CB8AC3E}">
-        <p14:creationId xmlns:p14="http://schemas.microsoft.com/office/powerpoint/2010/main" val="246254063"/>
+        <p14:creationId xmlns:p14="http://schemas.microsoft.com/office/powerpoint/2010/main" val="2866480740"/>
       </p:ext>
     </p:extLst>
   </p:cSld>
@@ -1905,7 +1905,7 @@
           <p:cNvPr id="2" name="标题 1">
             <a:extLst>
               <a:ext uri="{FF2B5EF4-FFF2-40B4-BE49-F238E27FC236}">
-                <a16:creationId xmlns:a16="http://schemas.microsoft.com/office/drawing/2014/main" id="{299EBC98-CE55-CE83-8B1B-B88B2ECD8AD5}"/>
+                <a16:creationId xmlns:a16="http://schemas.microsoft.com/office/drawing/2014/main" id="{A295D793-07A7-487A-F447-B6FC5266842E}"/>
               </a:ext>
             </a:extLst>
           </p:cNvPr>
@@ -1933,7 +1933,7 @@
           <p:cNvPr id="3" name="日期占位符 2">
             <a:extLst>
               <a:ext uri="{FF2B5EF4-FFF2-40B4-BE49-F238E27FC236}">
-                <a16:creationId xmlns:a16="http://schemas.microsoft.com/office/drawing/2014/main" id="{6C9FE8CA-6686-754A-860D-DB31932177B9}"/>
+                <a16:creationId xmlns:a16="http://schemas.microsoft.com/office/drawing/2014/main" id="{C69936E8-9C80-27FA-8AE2-9719209E6EB5}"/>
               </a:ext>
             </a:extLst>
           </p:cNvPr>
@@ -1949,7 +1949,7 @@
           <a:bodyPr/>
           <a:lstStyle/>
           <a:p>
-            <a:fld id="{DE2D0EA8-9AB7-4BA5-B70E-617ED18B5F67}" type="datetimeFigureOut">
+            <a:fld id="{8614E6A1-FA71-4876-9E97-0D6BA2008EA8}" type="datetimeFigureOut">
               <a:rPr lang="zh-CN" altLang="en-US" smtClean="0"/>
               <a:t>2024/3/10</a:t>
             </a:fld>
@@ -1962,7 +1962,7 @@
           <p:cNvPr id="4" name="页脚占位符 3">
             <a:extLst>
               <a:ext uri="{FF2B5EF4-FFF2-40B4-BE49-F238E27FC236}">
-                <a16:creationId xmlns:a16="http://schemas.microsoft.com/office/drawing/2014/main" id="{E3CF0A5F-DF83-305E-7A95-38BA457DFC1A}"/>
+                <a16:creationId xmlns:a16="http://schemas.microsoft.com/office/drawing/2014/main" id="{C5EA258D-6F89-964F-8A73-4440EF349B0C}"/>
               </a:ext>
             </a:extLst>
           </p:cNvPr>
@@ -1987,7 +1987,7 @@
           <p:cNvPr id="5" name="灯片编号占位符 4">
             <a:extLst>
               <a:ext uri="{FF2B5EF4-FFF2-40B4-BE49-F238E27FC236}">
-                <a16:creationId xmlns:a16="http://schemas.microsoft.com/office/drawing/2014/main" id="{5873F33B-C9E9-B8D1-0E38-6527D3EB64A3}"/>
+                <a16:creationId xmlns:a16="http://schemas.microsoft.com/office/drawing/2014/main" id="{49D1D8AC-E8F8-87EC-5156-9B8C4FB0F173}"/>
               </a:ext>
             </a:extLst>
           </p:cNvPr>
@@ -2003,7 +2003,7 @@
           <a:bodyPr/>
           <a:lstStyle/>
           <a:p>
-            <a:fld id="{FD7BDA2A-E9A2-40F9-9B4B-E5141F6ADF0C}" type="slidenum">
+            <a:fld id="{242C6499-26AF-4373-B07A-AAF012A75DDC}" type="slidenum">
               <a:rPr lang="zh-CN" altLang="en-US" smtClean="0"/>
               <a:t>‹#›</a:t>
             </a:fld>
@@ -2014,7 +2014,7 @@
     </p:spTree>
     <p:extLst>
       <p:ext uri="{BB962C8B-B14F-4D97-AF65-F5344CB8AC3E}">
-        <p14:creationId xmlns:p14="http://schemas.microsoft.com/office/powerpoint/2010/main" val="3066085363"/>
+        <p14:creationId xmlns:p14="http://schemas.microsoft.com/office/powerpoint/2010/main" val="2011738325"/>
       </p:ext>
     </p:extLst>
   </p:cSld>
@@ -2046,7 +2046,7 @@
           <p:cNvPr id="2" name="日期占位符 1">
             <a:extLst>
               <a:ext uri="{FF2B5EF4-FFF2-40B4-BE49-F238E27FC236}">
-                <a16:creationId xmlns:a16="http://schemas.microsoft.com/office/drawing/2014/main" id="{80A46981-882B-5224-C0A2-B9B05E06EC15}"/>
+                <a16:creationId xmlns:a16="http://schemas.microsoft.com/office/drawing/2014/main" id="{B2C7907E-6A6B-48C8-505A-391F240843B2}"/>
               </a:ext>
             </a:extLst>
           </p:cNvPr>
@@ -2062,7 +2062,7 @@
           <a:bodyPr/>
           <a:lstStyle/>
           <a:p>
-            <a:fld id="{DE2D0EA8-9AB7-4BA5-B70E-617ED18B5F67}" type="datetimeFigureOut">
+            <a:fld id="{8614E6A1-FA71-4876-9E97-0D6BA2008EA8}" type="datetimeFigureOut">
               <a:rPr lang="zh-CN" altLang="en-US" smtClean="0"/>
               <a:t>2024/3/10</a:t>
             </a:fld>
@@ -2075,7 +2075,7 @@
           <p:cNvPr id="3" name="页脚占位符 2">
             <a:extLst>
               <a:ext uri="{FF2B5EF4-FFF2-40B4-BE49-F238E27FC236}">
-                <a16:creationId xmlns:a16="http://schemas.microsoft.com/office/drawing/2014/main" id="{94B7D7E7-3AF4-C6C8-4F93-5D7F14483C19}"/>
+                <a16:creationId xmlns:a16="http://schemas.microsoft.com/office/drawing/2014/main" id="{342614DE-C15F-9AA7-C8EB-A29C45F98E74}"/>
               </a:ext>
             </a:extLst>
           </p:cNvPr>
@@ -2100,7 +2100,7 @@
           <p:cNvPr id="4" name="灯片编号占位符 3">
             <a:extLst>
               <a:ext uri="{FF2B5EF4-FFF2-40B4-BE49-F238E27FC236}">
-                <a16:creationId xmlns:a16="http://schemas.microsoft.com/office/drawing/2014/main" id="{D952943C-2A86-29ED-3C93-6A72CEE47797}"/>
+                <a16:creationId xmlns:a16="http://schemas.microsoft.com/office/drawing/2014/main" id="{8CC6012A-3D1C-80F7-1774-F2B8C180F373}"/>
               </a:ext>
             </a:extLst>
           </p:cNvPr>
@@ -2116,7 +2116,7 @@
           <a:bodyPr/>
           <a:lstStyle/>
           <a:p>
-            <a:fld id="{FD7BDA2A-E9A2-40F9-9B4B-E5141F6ADF0C}" type="slidenum">
+            <a:fld id="{242C6499-26AF-4373-B07A-AAF012A75DDC}" type="slidenum">
               <a:rPr lang="zh-CN" altLang="en-US" smtClean="0"/>
               <a:t>‹#›</a:t>
             </a:fld>
@@ -2127,7 +2127,7 @@
     </p:spTree>
     <p:extLst>
       <p:ext uri="{BB962C8B-B14F-4D97-AF65-F5344CB8AC3E}">
-        <p14:creationId xmlns:p14="http://schemas.microsoft.com/office/powerpoint/2010/main" val="2723782360"/>
+        <p14:creationId xmlns:p14="http://schemas.microsoft.com/office/powerpoint/2010/main" val="2513755642"/>
       </p:ext>
     </p:extLst>
   </p:cSld>
@@ -2159,7 +2159,7 @@
           <p:cNvPr id="2" name="标题 1">
             <a:extLst>
               <a:ext uri="{FF2B5EF4-FFF2-40B4-BE49-F238E27FC236}">
-                <a16:creationId xmlns:a16="http://schemas.microsoft.com/office/drawing/2014/main" id="{B3E4CA3A-BEFB-5C70-06F9-DD960575C673}"/>
+                <a16:creationId xmlns:a16="http://schemas.microsoft.com/office/drawing/2014/main" id="{53A813C3-A47C-6EF5-2B3B-99FD39B0A4A5}"/>
               </a:ext>
             </a:extLst>
           </p:cNvPr>
@@ -2196,7 +2196,7 @@
           <p:cNvPr id="3" name="内容占位符 2">
             <a:extLst>
               <a:ext uri="{FF2B5EF4-FFF2-40B4-BE49-F238E27FC236}">
-                <a16:creationId xmlns:a16="http://schemas.microsoft.com/office/drawing/2014/main" id="{6C42792B-E798-A36E-730A-DE53064B7050}"/>
+                <a16:creationId xmlns:a16="http://schemas.microsoft.com/office/drawing/2014/main" id="{391FF9D9-1C99-CFA8-BC1C-B5C8A6E1A415}"/>
               </a:ext>
             </a:extLst>
           </p:cNvPr>
@@ -2286,7 +2286,7 @@
           <p:cNvPr id="4" name="文本占位符 3">
             <a:extLst>
               <a:ext uri="{FF2B5EF4-FFF2-40B4-BE49-F238E27FC236}">
-                <a16:creationId xmlns:a16="http://schemas.microsoft.com/office/drawing/2014/main" id="{086AF236-647F-B170-CA96-7CB8B4652971}"/>
+                <a16:creationId xmlns:a16="http://schemas.microsoft.com/office/drawing/2014/main" id="{250732AE-8BA3-7CEF-F59F-6EFFB7BF341E}"/>
               </a:ext>
             </a:extLst>
           </p:cNvPr>
@@ -2357,7 +2357,7 @@
           <p:cNvPr id="5" name="日期占位符 4">
             <a:extLst>
               <a:ext uri="{FF2B5EF4-FFF2-40B4-BE49-F238E27FC236}">
-                <a16:creationId xmlns:a16="http://schemas.microsoft.com/office/drawing/2014/main" id="{D1A4F0A8-3E37-B587-8FD4-A77419A47B2B}"/>
+                <a16:creationId xmlns:a16="http://schemas.microsoft.com/office/drawing/2014/main" id="{EA176F99-D1DA-3F97-5AAF-7C6A281B00C9}"/>
               </a:ext>
             </a:extLst>
           </p:cNvPr>
@@ -2373,7 +2373,7 @@
           <a:bodyPr/>
           <a:lstStyle/>
           <a:p>
-            <a:fld id="{DE2D0EA8-9AB7-4BA5-B70E-617ED18B5F67}" type="datetimeFigureOut">
+            <a:fld id="{8614E6A1-FA71-4876-9E97-0D6BA2008EA8}" type="datetimeFigureOut">
               <a:rPr lang="zh-CN" altLang="en-US" smtClean="0"/>
               <a:t>2024/3/10</a:t>
             </a:fld>
@@ -2386,7 +2386,7 @@
           <p:cNvPr id="6" name="页脚占位符 5">
             <a:extLst>
               <a:ext uri="{FF2B5EF4-FFF2-40B4-BE49-F238E27FC236}">
-                <a16:creationId xmlns:a16="http://schemas.microsoft.com/office/drawing/2014/main" id="{C39DD9BF-16FE-BA64-BC8B-5D367F91F093}"/>
+                <a16:creationId xmlns:a16="http://schemas.microsoft.com/office/drawing/2014/main" id="{25F68707-3C79-873B-810C-319F96B1F3A0}"/>
               </a:ext>
             </a:extLst>
           </p:cNvPr>
@@ -2411,7 +2411,7 @@
           <p:cNvPr id="7" name="灯片编号占位符 6">
             <a:extLst>
               <a:ext uri="{FF2B5EF4-FFF2-40B4-BE49-F238E27FC236}">
-                <a16:creationId xmlns:a16="http://schemas.microsoft.com/office/drawing/2014/main" id="{D38AA658-7FE4-8859-E7CB-51F7E2C03680}"/>
+                <a16:creationId xmlns:a16="http://schemas.microsoft.com/office/drawing/2014/main" id="{E891DA3E-4BA1-485E-08B2-6733F6AD18E3}"/>
               </a:ext>
             </a:extLst>
           </p:cNvPr>
@@ -2427,7 +2427,7 @@
           <a:bodyPr/>
           <a:lstStyle/>
           <a:p>
-            <a:fld id="{FD7BDA2A-E9A2-40F9-9B4B-E5141F6ADF0C}" type="slidenum">
+            <a:fld id="{242C6499-26AF-4373-B07A-AAF012A75DDC}" type="slidenum">
               <a:rPr lang="zh-CN" altLang="en-US" smtClean="0"/>
               <a:t>‹#›</a:t>
             </a:fld>
@@ -2438,7 +2438,7 @@
     </p:spTree>
     <p:extLst>
       <p:ext uri="{BB962C8B-B14F-4D97-AF65-F5344CB8AC3E}">
-        <p14:creationId xmlns:p14="http://schemas.microsoft.com/office/powerpoint/2010/main" val="1574186147"/>
+        <p14:creationId xmlns:p14="http://schemas.microsoft.com/office/powerpoint/2010/main" val="1806960053"/>
       </p:ext>
     </p:extLst>
   </p:cSld>
@@ -2470,7 +2470,7 @@
           <p:cNvPr id="2" name="标题 1">
             <a:extLst>
               <a:ext uri="{FF2B5EF4-FFF2-40B4-BE49-F238E27FC236}">
-                <a16:creationId xmlns:a16="http://schemas.microsoft.com/office/drawing/2014/main" id="{CA587084-1340-CF0B-EEE3-B728C6527B6C}"/>
+                <a16:creationId xmlns:a16="http://schemas.microsoft.com/office/drawing/2014/main" id="{6626D945-A0A4-712C-EEF6-01DDFA052124}"/>
               </a:ext>
             </a:extLst>
           </p:cNvPr>
@@ -2507,7 +2507,7 @@
           <p:cNvPr id="3" name="图片占位符 2">
             <a:extLst>
               <a:ext uri="{FF2B5EF4-FFF2-40B4-BE49-F238E27FC236}">
-                <a16:creationId xmlns:a16="http://schemas.microsoft.com/office/drawing/2014/main" id="{550963F5-8788-0622-176C-89EFC078AE5D}"/>
+                <a16:creationId xmlns:a16="http://schemas.microsoft.com/office/drawing/2014/main" id="{516F85BD-2A7E-AA13-8D3A-B778A05E0408}"/>
               </a:ext>
             </a:extLst>
           </p:cNvPr>
@@ -2574,7 +2574,7 @@
           <p:cNvPr id="4" name="文本占位符 3">
             <a:extLst>
               <a:ext uri="{FF2B5EF4-FFF2-40B4-BE49-F238E27FC236}">
-                <a16:creationId xmlns:a16="http://schemas.microsoft.com/office/drawing/2014/main" id="{DCF9D90F-9799-1949-CDAD-F72AADEDB51D}"/>
+                <a16:creationId xmlns:a16="http://schemas.microsoft.com/office/drawing/2014/main" id="{6D6A7FF9-DF12-ED27-B09C-7E58FB35A1D6}"/>
               </a:ext>
             </a:extLst>
           </p:cNvPr>
@@ -2645,7 +2645,7 @@
           <p:cNvPr id="5" name="日期占位符 4">
             <a:extLst>
               <a:ext uri="{FF2B5EF4-FFF2-40B4-BE49-F238E27FC236}">
-                <a16:creationId xmlns:a16="http://schemas.microsoft.com/office/drawing/2014/main" id="{206C8FA3-B72C-1AB2-44FB-0CEC99D3A07D}"/>
+                <a16:creationId xmlns:a16="http://schemas.microsoft.com/office/drawing/2014/main" id="{B5D9D0B9-9111-6100-8D0B-F1967FD3CF3A}"/>
               </a:ext>
             </a:extLst>
           </p:cNvPr>
@@ -2661,7 +2661,7 @@
           <a:bodyPr/>
           <a:lstStyle/>
           <a:p>
-            <a:fld id="{DE2D0EA8-9AB7-4BA5-B70E-617ED18B5F67}" type="datetimeFigureOut">
+            <a:fld id="{8614E6A1-FA71-4876-9E97-0D6BA2008EA8}" type="datetimeFigureOut">
               <a:rPr lang="zh-CN" altLang="en-US" smtClean="0"/>
               <a:t>2024/3/10</a:t>
             </a:fld>
@@ -2674,7 +2674,7 @@
           <p:cNvPr id="6" name="页脚占位符 5">
             <a:extLst>
               <a:ext uri="{FF2B5EF4-FFF2-40B4-BE49-F238E27FC236}">
-                <a16:creationId xmlns:a16="http://schemas.microsoft.com/office/drawing/2014/main" id="{62C3D2BD-481B-3504-36C2-5BB5106008DD}"/>
+                <a16:creationId xmlns:a16="http://schemas.microsoft.com/office/drawing/2014/main" id="{F1853AF1-242D-44E7-28D3-A5D41A347D15}"/>
               </a:ext>
             </a:extLst>
           </p:cNvPr>
@@ -2699,7 +2699,7 @@
           <p:cNvPr id="7" name="灯片编号占位符 6">
             <a:extLst>
               <a:ext uri="{FF2B5EF4-FFF2-40B4-BE49-F238E27FC236}">
-                <a16:creationId xmlns:a16="http://schemas.microsoft.com/office/drawing/2014/main" id="{4CD0F7CF-B380-E7B2-D171-A6F93697F8A2}"/>
+                <a16:creationId xmlns:a16="http://schemas.microsoft.com/office/drawing/2014/main" id="{300E7E8B-5108-320C-6F4D-77EED7A5CF42}"/>
               </a:ext>
             </a:extLst>
           </p:cNvPr>
@@ -2715,7 +2715,7 @@
           <a:bodyPr/>
           <a:lstStyle/>
           <a:p>
-            <a:fld id="{FD7BDA2A-E9A2-40F9-9B4B-E5141F6ADF0C}" type="slidenum">
+            <a:fld id="{242C6499-26AF-4373-B07A-AAF012A75DDC}" type="slidenum">
               <a:rPr lang="zh-CN" altLang="en-US" smtClean="0"/>
               <a:t>‹#›</a:t>
             </a:fld>
@@ -2726,7 +2726,7 @@
     </p:spTree>
     <p:extLst>
       <p:ext uri="{BB962C8B-B14F-4D97-AF65-F5344CB8AC3E}">
-        <p14:creationId xmlns:p14="http://schemas.microsoft.com/office/powerpoint/2010/main" val="367822239"/>
+        <p14:creationId xmlns:p14="http://schemas.microsoft.com/office/powerpoint/2010/main" val="528536850"/>
       </p:ext>
     </p:extLst>
   </p:cSld>
@@ -2763,7 +2763,7 @@
           <p:cNvPr id="2" name="标题占位符 1">
             <a:extLst>
               <a:ext uri="{FF2B5EF4-FFF2-40B4-BE49-F238E27FC236}">
-                <a16:creationId xmlns:a16="http://schemas.microsoft.com/office/drawing/2014/main" id="{82BDB456-915A-F433-3F71-2A7B300813F9}"/>
+                <a16:creationId xmlns:a16="http://schemas.microsoft.com/office/drawing/2014/main" id="{DE2A2A83-E0C1-9839-3539-0F3014135716}"/>
               </a:ext>
             </a:extLst>
           </p:cNvPr>
@@ -2801,7 +2801,7 @@
           <p:cNvPr id="3" name="文本占位符 2">
             <a:extLst>
               <a:ext uri="{FF2B5EF4-FFF2-40B4-BE49-F238E27FC236}">
-                <a16:creationId xmlns:a16="http://schemas.microsoft.com/office/drawing/2014/main" id="{4A9F968E-DEF4-60A6-258F-5EA36D0B39B4}"/>
+                <a16:creationId xmlns:a16="http://schemas.microsoft.com/office/drawing/2014/main" id="{B431E310-79C6-D185-AC21-94B4140E7CFE}"/>
               </a:ext>
             </a:extLst>
           </p:cNvPr>
@@ -2868,7 +2868,7 @@
           <p:cNvPr id="4" name="日期占位符 3">
             <a:extLst>
               <a:ext uri="{FF2B5EF4-FFF2-40B4-BE49-F238E27FC236}">
-                <a16:creationId xmlns:a16="http://schemas.microsoft.com/office/drawing/2014/main" id="{BB5F3D85-8275-8C7E-E800-56A0397D57E0}"/>
+                <a16:creationId xmlns:a16="http://schemas.microsoft.com/office/drawing/2014/main" id="{99AA8BDD-A832-FA35-F994-CD41A74FBC44}"/>
               </a:ext>
             </a:extLst>
           </p:cNvPr>
@@ -2902,7 +2902,7 @@
             </a:lvl1pPr>
           </a:lstStyle>
           <a:p>
-            <a:fld id="{DE2D0EA8-9AB7-4BA5-B70E-617ED18B5F67}" type="datetimeFigureOut">
+            <a:fld id="{8614E6A1-FA71-4876-9E97-0D6BA2008EA8}" type="datetimeFigureOut">
               <a:rPr lang="zh-CN" altLang="en-US" smtClean="0"/>
               <a:t>2024/3/10</a:t>
             </a:fld>
@@ -2915,7 +2915,7 @@
           <p:cNvPr id="5" name="页脚占位符 4">
             <a:extLst>
               <a:ext uri="{FF2B5EF4-FFF2-40B4-BE49-F238E27FC236}">
-                <a16:creationId xmlns:a16="http://schemas.microsoft.com/office/drawing/2014/main" id="{FC6FCE2A-B615-5721-36D2-51CC4ACB425F}"/>
+                <a16:creationId xmlns:a16="http://schemas.microsoft.com/office/drawing/2014/main" id="{59A7F95A-C010-497C-AEAE-7A93CB13A3B9}"/>
               </a:ext>
             </a:extLst>
           </p:cNvPr>
@@ -2958,7 +2958,7 @@
           <p:cNvPr id="6" name="灯片编号占位符 5">
             <a:extLst>
               <a:ext uri="{FF2B5EF4-FFF2-40B4-BE49-F238E27FC236}">
-                <a16:creationId xmlns:a16="http://schemas.microsoft.com/office/drawing/2014/main" id="{7874029D-B2C5-35D8-7367-E6F9C2D2FC35}"/>
+                <a16:creationId xmlns:a16="http://schemas.microsoft.com/office/drawing/2014/main" id="{8F95CABD-22AB-2FCA-EB08-0757FF0D9DBD}"/>
               </a:ext>
             </a:extLst>
           </p:cNvPr>
@@ -2992,7 +2992,7 @@
             </a:lvl1pPr>
           </a:lstStyle>
           <a:p>
-            <a:fld id="{FD7BDA2A-E9A2-40F9-9B4B-E5141F6ADF0C}" type="slidenum">
+            <a:fld id="{242C6499-26AF-4373-B07A-AAF012A75DDC}" type="slidenum">
               <a:rPr lang="zh-CN" altLang="en-US" smtClean="0"/>
               <a:t>‹#›</a:t>
             </a:fld>
@@ -3003,7 +3003,7 @@
     </p:spTree>
     <p:extLst>
       <p:ext uri="{BB962C8B-B14F-4D97-AF65-F5344CB8AC3E}">
-        <p14:creationId xmlns:p14="http://schemas.microsoft.com/office/powerpoint/2010/main" val="2617658988"/>
+        <p14:creationId xmlns:p14="http://schemas.microsoft.com/office/powerpoint/2010/main" val="2612792718"/>
       </p:ext>
     </p:extLst>
   </p:cSld>
